--- a/presentation/nearest neighbour tests.pptx
+++ b/presentation/nearest neighbour tests.pptx
@@ -108,6 +108,11 @@
       </a:defRPr>
     </a:lvl9pPr>
   </p:defaultTextStyle>
+  <p:extLst>
+    <p:ext uri="{EFAFB233-063F-42B5-8137-9DF3F51BA10A}">
+      <p15:sldGuideLst xmlns:p15="http://schemas.microsoft.com/office/powerpoint/2012/main"/>
+    </p:ext>
+  </p:extLst>
 </p:presentation>
 </file>
 
@@ -258,7 +263,7 @@
           <a:p>
             <a:fld id="{959782E5-911F-42EF-85E0-68FC372C3261}" type="datetimeFigureOut">
               <a:rPr lang="en-US" smtClean="0"/>
-              <a:t>1/25/2022</a:t>
+              <a:t>1/27/2022</a:t>
             </a:fld>
             <a:endParaRPr lang="en-US"/>
           </a:p>
@@ -456,7 +461,7 @@
           <a:p>
             <a:fld id="{959782E5-911F-42EF-85E0-68FC372C3261}" type="datetimeFigureOut">
               <a:rPr lang="en-US" smtClean="0"/>
-              <a:t>1/25/2022</a:t>
+              <a:t>1/27/2022</a:t>
             </a:fld>
             <a:endParaRPr lang="en-US"/>
           </a:p>
@@ -664,7 +669,7 @@
           <a:p>
             <a:fld id="{959782E5-911F-42EF-85E0-68FC372C3261}" type="datetimeFigureOut">
               <a:rPr lang="en-US" smtClean="0"/>
-              <a:t>1/25/2022</a:t>
+              <a:t>1/27/2022</a:t>
             </a:fld>
             <a:endParaRPr lang="en-US"/>
           </a:p>
@@ -862,7 +867,7 @@
           <a:p>
             <a:fld id="{959782E5-911F-42EF-85E0-68FC372C3261}" type="datetimeFigureOut">
               <a:rPr lang="en-US" smtClean="0"/>
-              <a:t>1/25/2022</a:t>
+              <a:t>1/27/2022</a:t>
             </a:fld>
             <a:endParaRPr lang="en-US"/>
           </a:p>
@@ -1137,7 +1142,7 @@
           <a:p>
             <a:fld id="{959782E5-911F-42EF-85E0-68FC372C3261}" type="datetimeFigureOut">
               <a:rPr lang="en-US" smtClean="0"/>
-              <a:t>1/25/2022</a:t>
+              <a:t>1/27/2022</a:t>
             </a:fld>
             <a:endParaRPr lang="en-US"/>
           </a:p>
@@ -1402,7 +1407,7 @@
           <a:p>
             <a:fld id="{959782E5-911F-42EF-85E0-68FC372C3261}" type="datetimeFigureOut">
               <a:rPr lang="en-US" smtClean="0"/>
-              <a:t>1/25/2022</a:t>
+              <a:t>1/27/2022</a:t>
             </a:fld>
             <a:endParaRPr lang="en-US"/>
           </a:p>
@@ -1814,7 +1819,7 @@
           <a:p>
             <a:fld id="{959782E5-911F-42EF-85E0-68FC372C3261}" type="datetimeFigureOut">
               <a:rPr lang="en-US" smtClean="0"/>
-              <a:t>1/25/2022</a:t>
+              <a:t>1/27/2022</a:t>
             </a:fld>
             <a:endParaRPr lang="en-US"/>
           </a:p>
@@ -1955,7 +1960,7 @@
           <a:p>
             <a:fld id="{959782E5-911F-42EF-85E0-68FC372C3261}" type="datetimeFigureOut">
               <a:rPr lang="en-US" smtClean="0"/>
-              <a:t>1/25/2022</a:t>
+              <a:t>1/27/2022</a:t>
             </a:fld>
             <a:endParaRPr lang="en-US"/>
           </a:p>
@@ -2068,7 +2073,7 @@
           <a:p>
             <a:fld id="{959782E5-911F-42EF-85E0-68FC372C3261}" type="datetimeFigureOut">
               <a:rPr lang="en-US" smtClean="0"/>
-              <a:t>1/25/2022</a:t>
+              <a:t>1/27/2022</a:t>
             </a:fld>
             <a:endParaRPr lang="en-US"/>
           </a:p>
@@ -2379,7 +2384,7 @@
           <a:p>
             <a:fld id="{959782E5-911F-42EF-85E0-68FC372C3261}" type="datetimeFigureOut">
               <a:rPr lang="en-US" smtClean="0"/>
-              <a:t>1/25/2022</a:t>
+              <a:t>1/27/2022</a:t>
             </a:fld>
             <a:endParaRPr lang="en-US"/>
           </a:p>
@@ -2667,7 +2672,7 @@
           <a:p>
             <a:fld id="{959782E5-911F-42EF-85E0-68FC372C3261}" type="datetimeFigureOut">
               <a:rPr lang="en-US" smtClean="0"/>
-              <a:t>1/25/2022</a:t>
+              <a:t>1/27/2022</a:t>
             </a:fld>
             <a:endParaRPr lang="en-US"/>
           </a:p>
@@ -2908,7 +2913,7 @@
           <a:p>
             <a:fld id="{959782E5-911F-42EF-85E0-68FC372C3261}" type="datetimeFigureOut">
               <a:rPr lang="en-US" smtClean="0"/>
-              <a:t>1/25/2022</a:t>
+              <a:t>1/27/2022</a:t>
             </a:fld>
             <a:endParaRPr lang="en-US"/>
           </a:p>
@@ -3687,7 +3692,7 @@
         </p:blipFill>
         <p:spPr bwMode="auto">
           <a:xfrm>
-            <a:off x="7153275" y="3428999"/>
+            <a:off x="408403" y="3429000"/>
             <a:ext cx="4305300" cy="3152775"/>
           </a:xfrm>
           <a:prstGeom prst="rect">
@@ -3734,7 +3739,7 @@
         </p:blipFill>
         <p:spPr bwMode="auto">
           <a:xfrm>
-            <a:off x="404812" y="3428999"/>
+            <a:off x="7110412" y="3393830"/>
             <a:ext cx="4391025" cy="3152775"/>
           </a:xfrm>
           <a:prstGeom prst="rect">
